--- a/Proj 9 Presentation.pptx
+++ b/Proj 9 Presentation.pptx
@@ -220,7 +220,7 @@
           <a:p>
             <a:fld id="{DBAE3B3E-782A-9745-8E84-372F7B6771BF}" type="datetimeFigureOut">
               <a:rPr lang="en-US" smtClean="0"/>
-              <a:t>7/8/2021</a:t>
+              <a:t>7/9/2021</a:t>
             </a:fld>
             <a:endParaRPr lang="en-US" dirty="0"/>
           </a:p>
@@ -1309,7 +1309,7 @@
           <a:p>
             <a:fld id="{462A2416-1570-3849-86F9-07F78746E1B2}" type="datetimeFigureOut">
               <a:rPr lang="en-US" smtClean="0"/>
-              <a:t>7/8/2021</a:t>
+              <a:t>7/9/2021</a:t>
             </a:fld>
             <a:endParaRPr lang="en-US" dirty="0"/>
           </a:p>
@@ -4157,8 +4157,13 @@
             </a:pPr>
             <a:r>
               <a:rPr lang="en-US" altLang="zh-CN" sz="1800" dirty="0"/>
-              <a:t>The structure of ideal model based on supervised learning could be used as Depth Net component in unsupervised scale-consistent depth learning from video, which tends to serve as an important part in visual SLAM</a:t>
-            </a:r>
+              <a:t>The structure of ideal model based on supervised learning could be used as Depth Net component in unsupervised scale-consistent depth learning from video, which tends to serve as an important part in visual SLAM to provide </a:t>
+            </a:r>
+            <a:r>
+              <a:rPr lang="en-US" altLang="zh-CN" sz="1800"/>
+              <a:t>depth information.</a:t>
+            </a:r>
+            <a:endParaRPr lang="en-US" altLang="zh-CN" sz="1800" dirty="0"/>
           </a:p>
         </p:txBody>
       </p:sp>

--- a/Proj 9 Presentation.pptx
+++ b/Proj 9 Presentation.pptx
@@ -2684,7 +2684,7 @@
         <p:spPr>
           <a:xfrm>
             <a:off x="1763106" y="3310270"/>
-            <a:ext cx="7161154" cy="425299"/>
+            <a:ext cx="7295834" cy="425299"/>
           </a:xfrm>
         </p:spPr>
         <p:txBody>
@@ -2722,7 +2722,7 @@
             </a:r>
             <a:r>
               <a:rPr lang="en-US" altLang="zh-CN" sz="1800" dirty="0" err="1"/>
-              <a:t>Shaofeng</a:t>
+              <a:t>Shaohang</a:t>
             </a:r>
             <a:r>
               <a:rPr lang="en-US" altLang="zh-CN" sz="1800" dirty="0"/>

--- a/Proj 9 Presentation.pptx
+++ b/Proj 9 Presentation.pptx
@@ -6,21 +6,22 @@
     <p:sldMasterId id="2147483660" r:id="rId2"/>
   </p:sldMasterIdLst>
   <p:notesMasterIdLst>
-    <p:notesMasterId r:id="rId12"/>
+    <p:notesMasterId r:id="rId13"/>
   </p:notesMasterIdLst>
   <p:handoutMasterIdLst>
-    <p:handoutMasterId r:id="rId13"/>
+    <p:handoutMasterId r:id="rId14"/>
   </p:handoutMasterIdLst>
   <p:sldIdLst>
     <p:sldId id="257" r:id="rId3"/>
     <p:sldId id="280" r:id="rId4"/>
-    <p:sldId id="281" r:id="rId5"/>
-    <p:sldId id="274" r:id="rId6"/>
-    <p:sldId id="275" r:id="rId7"/>
-    <p:sldId id="277" r:id="rId8"/>
-    <p:sldId id="271" r:id="rId9"/>
-    <p:sldId id="279" r:id="rId10"/>
-    <p:sldId id="264" r:id="rId11"/>
+    <p:sldId id="283" r:id="rId5"/>
+    <p:sldId id="281" r:id="rId6"/>
+    <p:sldId id="274" r:id="rId7"/>
+    <p:sldId id="275" r:id="rId8"/>
+    <p:sldId id="277" r:id="rId9"/>
+    <p:sldId id="271" r:id="rId10"/>
+    <p:sldId id="279" r:id="rId11"/>
+    <p:sldId id="264" r:id="rId12"/>
   </p:sldIdLst>
   <p:sldSz cx="9144000" cy="5143500" type="screen16x9"/>
   <p:notesSz cx="6858000" cy="9144000"/>
@@ -2683,8 +2684,8 @@
         </p:nvSpPr>
         <p:spPr>
           <a:xfrm>
-            <a:off x="1763106" y="3310270"/>
-            <a:ext cx="7295834" cy="425299"/>
+            <a:off x="1763106" y="3768122"/>
+            <a:ext cx="7380894" cy="425299"/>
           </a:xfrm>
         </p:spPr>
         <p:txBody>
@@ -2697,35 +2698,35 @@
               <a:buNone/>
             </a:pPr>
             <a:r>
-              <a:rPr lang="en-US" altLang="zh-CN" sz="1800" dirty="0" err="1"/>
+              <a:rPr lang="en-US" altLang="zh-CN" sz="1600" dirty="0" err="1"/>
               <a:t>Weihao</a:t>
             </a:r>
             <a:r>
-              <a:rPr lang="en-US" altLang="zh-CN" sz="1800" dirty="0"/>
+              <a:rPr lang="en-US" altLang="zh-CN" sz="1600" dirty="0"/>
               <a:t> Xuan, </a:t>
             </a:r>
             <a:r>
-              <a:rPr lang="en-US" altLang="zh-CN" sz="1800" dirty="0" err="1"/>
+              <a:rPr lang="en-US" altLang="zh-CN" sz="1600" dirty="0" err="1"/>
               <a:t>Ruijie</a:t>
             </a:r>
             <a:r>
-              <a:rPr lang="en-US" altLang="zh-CN" sz="1800" dirty="0"/>
+              <a:rPr lang="en-US" altLang="zh-CN" sz="1600" dirty="0"/>
               <a:t> Ren, </a:t>
             </a:r>
             <a:r>
-              <a:rPr lang="en-US" altLang="zh-CN" sz="1800" dirty="0" err="1"/>
+              <a:rPr lang="en-US" altLang="zh-CN" sz="1600" dirty="0" err="1"/>
               <a:t>Siyuan</a:t>
             </a:r>
             <a:r>
-              <a:rPr lang="en-US" altLang="zh-CN" sz="1800" dirty="0"/>
+              <a:rPr lang="en-US" altLang="zh-CN" sz="1600" dirty="0"/>
               <a:t> Wu, Liangchen Sui, </a:t>
             </a:r>
             <a:r>
-              <a:rPr lang="en-US" altLang="zh-CN" sz="1800" dirty="0" err="1"/>
+              <a:rPr lang="en-US" altLang="zh-CN" sz="1600" dirty="0" err="1"/>
               <a:t>Shaohang</a:t>
             </a:r>
             <a:r>
-              <a:rPr lang="en-US" altLang="zh-CN" sz="1800" dirty="0"/>
+              <a:rPr lang="en-US" altLang="zh-CN" sz="1600" dirty="0"/>
               <a:t> Han</a:t>
             </a:r>
           </a:p>
@@ -2753,7 +2754,7 @@
         </p:blipFill>
         <p:spPr>
           <a:xfrm>
-            <a:off x="1975753" y="3735569"/>
+            <a:off x="1975753" y="4193421"/>
             <a:ext cx="1019317" cy="428685"/>
           </a:xfrm>
           <a:prstGeom prst="rect">
@@ -2783,7 +2784,7 @@
         </p:blipFill>
         <p:spPr>
           <a:xfrm>
-            <a:off x="4591008" y="3735569"/>
+            <a:off x="4136519" y="4193421"/>
             <a:ext cx="1019317" cy="428685"/>
           </a:xfrm>
           <a:prstGeom prst="rect">
@@ -2813,7 +2814,7 @@
         </p:blipFill>
         <p:spPr>
           <a:xfrm>
-            <a:off x="5964262" y="3735569"/>
+            <a:off x="5453553" y="4193421"/>
             <a:ext cx="1019317" cy="428685"/>
           </a:xfrm>
           <a:prstGeom prst="rect">
@@ -2843,7 +2844,7 @@
         </p:blipFill>
         <p:spPr>
           <a:xfrm>
-            <a:off x="7551006" y="3735569"/>
+            <a:off x="6871235" y="4193421"/>
             <a:ext cx="1019317" cy="428685"/>
           </a:xfrm>
           <a:prstGeom prst="rect">
@@ -2873,7 +2874,7 @@
         </p:blipFill>
         <p:spPr>
           <a:xfrm>
-            <a:off x="3562497" y="3714945"/>
+            <a:off x="3321498" y="4172797"/>
             <a:ext cx="609685" cy="857370"/>
           </a:xfrm>
           <a:prstGeom prst="rect">
@@ -2881,10 +2882,202 @@
           </a:prstGeom>
         </p:spPr>
       </p:pic>
+      <p:sp>
+        <p:nvSpPr>
+          <p:cNvPr id="10" name="文本框 9">
+            <a:extLst>
+              <a:ext uri="{FF2B5EF4-FFF2-40B4-BE49-F238E27FC236}">
+                <a16:creationId xmlns:a16="http://schemas.microsoft.com/office/drawing/2014/main" id="{752DC961-67E4-4CD3-AEA7-C003CAC54A91}"/>
+              </a:ext>
+            </a:extLst>
+          </p:cNvPr>
+          <p:cNvSpPr txBox="1"/>
+          <p:nvPr/>
+        </p:nvSpPr>
+        <p:spPr>
+          <a:xfrm>
+            <a:off x="1763106" y="2965595"/>
+            <a:ext cx="3007367" cy="338554"/>
+          </a:xfrm>
+          <a:prstGeom prst="rect">
+            <a:avLst/>
+          </a:prstGeom>
+          <a:noFill/>
+        </p:spPr>
+        <p:txBody>
+          <a:bodyPr wrap="square" rtlCol="0">
+            <a:spAutoFit/>
+          </a:bodyPr>
+          <a:lstStyle/>
+          <a:p>
+            <a:r>
+              <a:rPr lang="en-US" altLang="zh-CN" sz="1600" dirty="0"/>
+              <a:t>Supervisor: </a:t>
+            </a:r>
+            <a:r>
+              <a:rPr lang="en-US" altLang="zh-CN" sz="1600" dirty="0" err="1"/>
+              <a:t>Yongbo</a:t>
+            </a:r>
+            <a:r>
+              <a:rPr lang="en-US" altLang="zh-CN" sz="1600" dirty="0"/>
+              <a:t> Chen</a:t>
+            </a:r>
+            <a:endParaRPr lang="zh-CN" altLang="en-US" sz="1600" dirty="0"/>
+          </a:p>
+        </p:txBody>
+      </p:sp>
+      <p:sp>
+        <p:nvSpPr>
+          <p:cNvPr id="15" name="文本框 14">
+            <a:extLst>
+              <a:ext uri="{FF2B5EF4-FFF2-40B4-BE49-F238E27FC236}">
+                <a16:creationId xmlns:a16="http://schemas.microsoft.com/office/drawing/2014/main" id="{CD3A5F59-3642-4249-8158-BC89E7445305}"/>
+              </a:ext>
+            </a:extLst>
+          </p:cNvPr>
+          <p:cNvSpPr txBox="1"/>
+          <p:nvPr/>
+        </p:nvSpPr>
+        <p:spPr>
+          <a:xfrm>
+            <a:off x="1763106" y="3381092"/>
+            <a:ext cx="3007367" cy="338554"/>
+          </a:xfrm>
+          <a:prstGeom prst="rect">
+            <a:avLst/>
+          </a:prstGeom>
+          <a:noFill/>
+        </p:spPr>
+        <p:txBody>
+          <a:bodyPr wrap="square" rtlCol="0">
+            <a:spAutoFit/>
+          </a:bodyPr>
+          <a:lstStyle/>
+          <a:p>
+            <a:r>
+              <a:rPr lang="en-US" altLang="zh-CN" sz="1600" dirty="0"/>
+              <a:t>Group Members 9d:</a:t>
+            </a:r>
+            <a:endParaRPr lang="zh-CN" altLang="en-US" sz="1600" dirty="0"/>
+          </a:p>
+        </p:txBody>
+      </p:sp>
     </p:spTree>
     <p:extLst>
       <p:ext uri="{BB962C8B-B14F-4D97-AF65-F5344CB8AC3E}">
         <p14:creationId xmlns:p14="http://schemas.microsoft.com/office/powerpoint/2010/main" val="170395173"/>
+      </p:ext>
+    </p:extLst>
+  </p:cSld>
+  <p:clrMapOvr>
+    <a:masterClrMapping/>
+  </p:clrMapOvr>
+</p:sld>
+</file>
+
+<file path=ppt/slides/slide10.xml><?xml version="1.0" encoding="utf-8"?>
+<p:sld xmlns:a="http://schemas.openxmlformats.org/drawingml/2006/main" xmlns:r="http://schemas.openxmlformats.org/officeDocument/2006/relationships" xmlns:p="http://schemas.openxmlformats.org/presentationml/2006/main">
+  <p:cSld>
+    <p:spTree>
+      <p:nvGrpSpPr>
+        <p:cNvPr id="1" name=""/>
+        <p:cNvGrpSpPr/>
+        <p:nvPr/>
+      </p:nvGrpSpPr>
+      <p:grpSpPr>
+        <a:xfrm>
+          <a:off x="0" y="0"/>
+          <a:ext cx="0" cy="0"/>
+          <a:chOff x="0" y="0"/>
+          <a:chExt cx="0" cy="0"/>
+        </a:xfrm>
+      </p:grpSpPr>
+      <p:sp>
+        <p:nvSpPr>
+          <p:cNvPr id="2" name="标题 1">
+            <a:extLst>
+              <a:ext uri="{FF2B5EF4-FFF2-40B4-BE49-F238E27FC236}">
+                <a16:creationId xmlns:a16="http://schemas.microsoft.com/office/drawing/2014/main" id="{1C8F2514-DAF4-42EB-9CD9-9E0A91CFBCE7}"/>
+              </a:ext>
+            </a:extLst>
+          </p:cNvPr>
+          <p:cNvSpPr>
+            <a:spLocks noGrp="1"/>
+          </p:cNvSpPr>
+          <p:nvPr>
+            <p:ph type="title"/>
+          </p:nvPr>
+        </p:nvSpPr>
+        <p:spPr>
+          <a:xfrm>
+            <a:off x="2606622" y="2143125"/>
+            <a:ext cx="5105527" cy="857250"/>
+          </a:xfrm>
+        </p:spPr>
+        <p:txBody>
+          <a:bodyPr/>
+          <a:lstStyle/>
+          <a:p>
+            <a:r>
+              <a:rPr lang="en-US" altLang="zh-CN" dirty="0"/>
+              <a:t>Thank you for listening! </a:t>
+            </a:r>
+            <a:endParaRPr lang="zh-CN" altLang="en-US" dirty="0"/>
+          </a:p>
+        </p:txBody>
+      </p:sp>
+      <p:sp>
+        <p:nvSpPr>
+          <p:cNvPr id="3" name="文本框 2">
+            <a:extLst>
+              <a:ext uri="{FF2B5EF4-FFF2-40B4-BE49-F238E27FC236}">
+                <a16:creationId xmlns:a16="http://schemas.microsoft.com/office/drawing/2014/main" id="{40C0B889-8AFE-4A2E-AEDB-EED0D2ECF820}"/>
+              </a:ext>
+            </a:extLst>
+          </p:cNvPr>
+          <p:cNvSpPr txBox="1"/>
+          <p:nvPr/>
+        </p:nvSpPr>
+        <p:spPr>
+          <a:xfrm>
+            <a:off x="2004110" y="3624832"/>
+            <a:ext cx="7139890" cy="338554"/>
+          </a:xfrm>
+          <a:prstGeom prst="rect">
+            <a:avLst/>
+          </a:prstGeom>
+          <a:noFill/>
+        </p:spPr>
+        <p:txBody>
+          <a:bodyPr wrap="square" rtlCol="0">
+            <a:spAutoFit/>
+          </a:bodyPr>
+          <a:lstStyle/>
+          <a:p>
+            <a:r>
+              <a:rPr lang="en-US" altLang="zh-CN" sz="1600" i="1" dirty="0">
+                <a:solidFill>
+                  <a:schemeClr val="bg1">
+                    <a:lumMod val="65000"/>
+                  </a:schemeClr>
+                </a:solidFill>
+              </a:rPr>
+              <a:t>Reference: High Quality Monocular Depth Estimation via Transfer Learning</a:t>
+            </a:r>
+            <a:endParaRPr lang="zh-CN" altLang="en-US" sz="1600" i="1" dirty="0">
+              <a:solidFill>
+                <a:schemeClr val="bg1">
+                  <a:lumMod val="65000"/>
+                </a:schemeClr>
+              </a:solidFill>
+            </a:endParaRPr>
+          </a:p>
+        </p:txBody>
+      </p:sp>
+    </p:spTree>
+    <p:extLst>
+      <p:ext uri="{BB962C8B-B14F-4D97-AF65-F5344CB8AC3E}">
+        <p14:creationId xmlns:p14="http://schemas.microsoft.com/office/powerpoint/2010/main" val="1180781335"/>
       </p:ext>
     </p:extLst>
   </p:cSld>
@@ -2979,7 +3172,7 @@
         </p:spPr>
         <p:txBody>
           <a:bodyPr>
-            <a:normAutofit fontScale="92500" lnSpcReduction="10000"/>
+            <a:normAutofit/>
           </a:bodyPr>
           <a:lstStyle/>
           <a:p>
@@ -2987,17 +3180,37 @@
               <a:buNone/>
             </a:pPr>
             <a:r>
-              <a:rPr lang="en-US" altLang="zh-CN" b="1" dirty="0"/>
-              <a:t>Encoder &amp; Decoder</a:t>
-            </a:r>
-            <a:r>
-              <a:rPr lang="zh-CN" altLang="en-US" b="1" dirty="0"/>
-              <a:t> </a:t>
-            </a:r>
-            <a:r>
-              <a:rPr lang="en-US" altLang="zh-CN" b="1" dirty="0"/>
-              <a:t>Design:</a:t>
-            </a:r>
+              <a:rPr lang="en-US" altLang="zh-CN" sz="2600" b="1" dirty="0"/>
+              <a:t>Task Description:</a:t>
+            </a:r>
+          </a:p>
+          <a:p>
+            <a:pPr marL="0" indent="0">
+              <a:buNone/>
+            </a:pPr>
+            <a:endParaRPr lang="en-US" altLang="zh-CN" sz="2600" b="1" dirty="0"/>
+          </a:p>
+          <a:p>
+            <a:pPr>
+              <a:buFont typeface="Wingdings" panose="05000000000000000000" pitchFamily="2" charset="2"/>
+              <a:buChar char="l"/>
+            </a:pPr>
+            <a:r>
+              <a:rPr lang="en-US" altLang="zh-CN" sz="1800" dirty="0"/>
+              <a:t>Pixel to pixel regression</a:t>
+            </a:r>
+          </a:p>
+          <a:p>
+            <a:pPr marL="0" indent="0">
+              <a:buNone/>
+            </a:pPr>
+            <a:endParaRPr lang="en-US" altLang="zh-CN" sz="2600" b="1" dirty="0"/>
+          </a:p>
+          <a:p>
+            <a:pPr marL="0" indent="0">
+              <a:buNone/>
+            </a:pPr>
+            <a:endParaRPr lang="en-US" altLang="zh-CN" sz="2600" b="1" dirty="0"/>
           </a:p>
           <a:p>
             <a:pPr marL="0" indent="0">
@@ -3005,87 +3218,185 @@
             </a:pPr>
             <a:endParaRPr lang="en-US" altLang="zh-CN" sz="2000" dirty="0"/>
           </a:p>
-          <a:p>
-            <a:pPr>
-              <a:buFont typeface="Wingdings" panose="05000000000000000000" pitchFamily="2" charset="2"/>
-              <a:buChar char="l"/>
-            </a:pPr>
-            <a:r>
-              <a:rPr lang="en-US" altLang="zh-CN" sz="1900" dirty="0"/>
-              <a:t>Encoder</a:t>
-            </a:r>
-          </a:p>
-          <a:p>
-            <a:pPr>
-              <a:buFont typeface="Wingdings" panose="05000000000000000000" pitchFamily="2" charset="2"/>
-              <a:buChar char="Ø"/>
-            </a:pPr>
-            <a:r>
-              <a:rPr lang="en-US" altLang="zh-CN" sz="1900" dirty="0"/>
-              <a:t>Backbone of DenseNet-169 transferred from ImageNet classification</a:t>
-            </a:r>
-          </a:p>
-          <a:p>
-            <a:pPr marL="0" indent="0">
-              <a:buNone/>
-            </a:pPr>
-            <a:endParaRPr lang="en-US" altLang="zh-CN" sz="1900" dirty="0"/>
-          </a:p>
-          <a:p>
-            <a:pPr>
-              <a:buFont typeface="Wingdings" panose="05000000000000000000" pitchFamily="2" charset="2"/>
-              <a:buChar char="l"/>
-            </a:pPr>
-            <a:r>
-              <a:rPr lang="en-US" altLang="zh-CN" sz="1900" dirty="0"/>
-              <a:t>Decoder</a:t>
-            </a:r>
-          </a:p>
-          <a:p>
-            <a:pPr>
-              <a:buFont typeface="Wingdings" panose="05000000000000000000" pitchFamily="2" charset="2"/>
-              <a:buChar char="Ø"/>
-            </a:pPr>
-            <a:r>
-              <a:rPr lang="en-US" altLang="zh-CN" sz="1900" dirty="0"/>
-              <a:t>Successive bilinear </a:t>
-            </a:r>
-            <a:r>
-              <a:rPr lang="en-US" altLang="zh-CN" sz="1900" dirty="0" err="1"/>
-              <a:t>upsampling</a:t>
-            </a:r>
-            <a:r>
-              <a:rPr lang="en-US" altLang="zh-CN" sz="1900" dirty="0"/>
-              <a:t> blocks followed shallow convolutional layers to realize pixel-pixel regression(high complexity proved to backfire)</a:t>
-            </a:r>
-          </a:p>
-          <a:p>
-            <a:pPr>
-              <a:buFont typeface="Wingdings" panose="05000000000000000000" pitchFamily="2" charset="2"/>
-              <a:buChar char="Ø"/>
-            </a:pPr>
-            <a:r>
-              <a:rPr lang="en-US" altLang="zh-CN" sz="1900" dirty="0"/>
-              <a:t>1x1 </a:t>
-            </a:r>
-            <a:r>
-              <a:rPr lang="en-US" altLang="zh-CN" sz="1900" dirty="0" err="1"/>
-              <a:t>Convs</a:t>
-            </a:r>
-            <a:r>
-              <a:rPr lang="en-US" altLang="zh-CN" sz="1900" dirty="0"/>
-              <a:t> to establish inter-channel connections</a:t>
-            </a:r>
-          </a:p>
-          <a:p>
-            <a:pPr>
-              <a:buFont typeface="Wingdings" panose="05000000000000000000" pitchFamily="2" charset="2"/>
-              <a:buChar char="Ø"/>
-            </a:pPr>
-            <a:r>
-              <a:rPr lang="en-US" altLang="zh-CN" sz="1900" dirty="0"/>
-              <a:t>Skip connections to retrieve information and add high-resolution details</a:t>
-            </a:r>
+        </p:txBody>
+      </p:sp>
+      <p:pic>
+        <p:nvPicPr>
+          <p:cNvPr id="4" name="内容占位符 4">
+            <a:extLst>
+              <a:ext uri="{FF2B5EF4-FFF2-40B4-BE49-F238E27FC236}">
+                <a16:creationId xmlns:a16="http://schemas.microsoft.com/office/drawing/2014/main" id="{882FC0B0-BA10-4D6C-B501-C81587EF7D37}"/>
+              </a:ext>
+            </a:extLst>
+          </p:cNvPr>
+          <p:cNvPicPr>
+            <a:picLocks noChangeAspect="1"/>
+          </p:cNvPicPr>
+          <p:nvPr/>
+        </p:nvPicPr>
+        <p:blipFill>
+          <a:blip r:embed="rId2"/>
+          <a:stretch>
+            <a:fillRect/>
+          </a:stretch>
+        </p:blipFill>
+        <p:spPr>
+          <a:xfrm>
+            <a:off x="2412586" y="2081053"/>
+            <a:ext cx="5410955" cy="2476846"/>
+          </a:xfrm>
+          <a:prstGeom prst="rect">
+            <a:avLst/>
+          </a:prstGeom>
+        </p:spPr>
+      </p:pic>
+      <p:cxnSp>
+        <p:nvCxnSpPr>
+          <p:cNvPr id="5" name="直接箭头连接符 4">
+            <a:extLst>
+              <a:ext uri="{FF2B5EF4-FFF2-40B4-BE49-F238E27FC236}">
+                <a16:creationId xmlns:a16="http://schemas.microsoft.com/office/drawing/2014/main" id="{C58EA407-389B-47A8-ACB9-D5E3B44AAAA1}"/>
+              </a:ext>
+            </a:extLst>
+          </p:cNvPr>
+          <p:cNvCxnSpPr/>
+          <p:nvPr/>
+        </p:nvCxnSpPr>
+        <p:spPr>
+          <a:xfrm>
+            <a:off x="4203405" y="3566018"/>
+            <a:ext cx="2828260" cy="0"/>
+          </a:xfrm>
+          <a:prstGeom prst="straightConnector1">
+            <a:avLst/>
+          </a:prstGeom>
+          <a:ln>
+            <a:tailEnd type="triangle"/>
+          </a:ln>
+        </p:spPr>
+        <p:style>
+          <a:lnRef idx="2">
+            <a:schemeClr val="accent2"/>
+          </a:lnRef>
+          <a:fillRef idx="0">
+            <a:schemeClr val="accent2"/>
+          </a:fillRef>
+          <a:effectRef idx="1">
+            <a:schemeClr val="accent2"/>
+          </a:effectRef>
+          <a:fontRef idx="minor">
+            <a:schemeClr val="tx1"/>
+          </a:fontRef>
+        </p:style>
+      </p:cxnSp>
+      <p:cxnSp>
+        <p:nvCxnSpPr>
+          <p:cNvPr id="6" name="直接箭头连接符 5">
+            <a:extLst>
+              <a:ext uri="{FF2B5EF4-FFF2-40B4-BE49-F238E27FC236}">
+                <a16:creationId xmlns:a16="http://schemas.microsoft.com/office/drawing/2014/main" id="{184836EC-0C38-4AAA-9A71-046A9F6D87F3}"/>
+              </a:ext>
+            </a:extLst>
+          </p:cNvPr>
+          <p:cNvCxnSpPr/>
+          <p:nvPr/>
+        </p:nvCxnSpPr>
+        <p:spPr>
+          <a:xfrm>
+            <a:off x="2899145" y="2573646"/>
+            <a:ext cx="2828260" cy="0"/>
+          </a:xfrm>
+          <a:prstGeom prst="straightConnector1">
+            <a:avLst/>
+          </a:prstGeom>
+          <a:ln>
+            <a:tailEnd type="triangle"/>
+          </a:ln>
+        </p:spPr>
+        <p:style>
+          <a:lnRef idx="2">
+            <a:schemeClr val="accent3"/>
+          </a:lnRef>
+          <a:fillRef idx="0">
+            <a:schemeClr val="accent3"/>
+          </a:fillRef>
+          <a:effectRef idx="1">
+            <a:schemeClr val="accent3"/>
+          </a:effectRef>
+          <a:fontRef idx="minor">
+            <a:schemeClr val="tx1"/>
+          </a:fontRef>
+        </p:style>
+      </p:cxnSp>
+      <p:sp>
+        <p:nvSpPr>
+          <p:cNvPr id="7" name="文本框 6">
+            <a:extLst>
+              <a:ext uri="{FF2B5EF4-FFF2-40B4-BE49-F238E27FC236}">
+                <a16:creationId xmlns:a16="http://schemas.microsoft.com/office/drawing/2014/main" id="{97E6886A-F7E9-4D7A-985A-4E37BD5A71FC}"/>
+              </a:ext>
+            </a:extLst>
+          </p:cNvPr>
+          <p:cNvSpPr txBox="1"/>
+          <p:nvPr/>
+        </p:nvSpPr>
+        <p:spPr>
+          <a:xfrm>
+            <a:off x="3487479" y="2204314"/>
+            <a:ext cx="1119963" cy="369332"/>
+          </a:xfrm>
+          <a:prstGeom prst="rect">
+            <a:avLst/>
+          </a:prstGeom>
+          <a:noFill/>
+        </p:spPr>
+        <p:txBody>
+          <a:bodyPr wrap="square" rtlCol="0">
+            <a:spAutoFit/>
+          </a:bodyPr>
+          <a:lstStyle/>
+          <a:p>
+            <a:r>
+              <a:rPr lang="en-US" altLang="zh-CN" dirty="0"/>
+              <a:t>Far Pixel</a:t>
+            </a:r>
+            <a:endParaRPr lang="zh-CN" altLang="en-US" dirty="0"/>
+          </a:p>
+        </p:txBody>
+      </p:sp>
+      <p:sp>
+        <p:nvSpPr>
+          <p:cNvPr id="10" name="文本框 9">
+            <a:extLst>
+              <a:ext uri="{FF2B5EF4-FFF2-40B4-BE49-F238E27FC236}">
+                <a16:creationId xmlns:a16="http://schemas.microsoft.com/office/drawing/2014/main" id="{36DB5AF2-3D3D-4D70-BC15-9956960565DB}"/>
+              </a:ext>
+            </a:extLst>
+          </p:cNvPr>
+          <p:cNvSpPr txBox="1"/>
+          <p:nvPr/>
+        </p:nvSpPr>
+        <p:spPr>
+          <a:xfrm>
+            <a:off x="5543107" y="3211131"/>
+            <a:ext cx="1304261" cy="369332"/>
+          </a:xfrm>
+          <a:prstGeom prst="rect">
+            <a:avLst/>
+          </a:prstGeom>
+          <a:noFill/>
+        </p:spPr>
+        <p:txBody>
+          <a:bodyPr wrap="square" rtlCol="0">
+            <a:spAutoFit/>
+          </a:bodyPr>
+          <a:lstStyle/>
+          <a:p>
+            <a:r>
+              <a:rPr lang="en-US" altLang="zh-CN" dirty="0"/>
+              <a:t>Near Pixel</a:t>
+            </a:r>
+            <a:endParaRPr lang="zh-CN" altLang="en-US" dirty="0"/>
           </a:p>
         </p:txBody>
       </p:sp>
@@ -3182,12 +3493,12 @@
         <p:spPr>
           <a:xfrm>
             <a:off x="1763106" y="676720"/>
-            <a:ext cx="7232038" cy="4015782"/>
+            <a:ext cx="7106464" cy="4015782"/>
           </a:xfrm>
         </p:spPr>
         <p:txBody>
           <a:bodyPr>
-            <a:normAutofit/>
+            <a:normAutofit fontScale="92500" lnSpcReduction="10000"/>
           </a:bodyPr>
           <a:lstStyle/>
           <a:p>
@@ -3213,142 +3524,94 @@
             </a:pPr>
             <a:endParaRPr lang="en-US" altLang="zh-CN" sz="2000" dirty="0"/>
           </a:p>
-        </p:txBody>
-      </p:sp>
-      <p:pic>
-        <p:nvPicPr>
-          <p:cNvPr id="5" name="图片 4">
-            <a:extLst>
-              <a:ext uri="{FF2B5EF4-FFF2-40B4-BE49-F238E27FC236}">
-                <a16:creationId xmlns:a16="http://schemas.microsoft.com/office/drawing/2014/main" id="{05496353-552A-4188-A38C-5E0179B45DC4}"/>
-              </a:ext>
-            </a:extLst>
-          </p:cNvPr>
-          <p:cNvPicPr>
-            <a:picLocks noChangeAspect="1"/>
-          </p:cNvPicPr>
-          <p:nvPr/>
-        </p:nvPicPr>
-        <p:blipFill rotWithShape="1">
-          <a:blip r:embed="rId2"/>
-          <a:srcRect t="-64910" b="64910"/>
-          <a:stretch/>
-        </p:blipFill>
-        <p:spPr>
-          <a:xfrm>
-            <a:off x="1669570" y="-1691792"/>
-            <a:ext cx="3600000" cy="4584844"/>
-          </a:xfrm>
-          <a:prstGeom prst="rect">
-            <a:avLst/>
-          </a:prstGeom>
-        </p:spPr>
-      </p:pic>
-      <p:pic>
-        <p:nvPicPr>
-          <p:cNvPr id="7" name="图片 6">
-            <a:extLst>
-              <a:ext uri="{FF2B5EF4-FFF2-40B4-BE49-F238E27FC236}">
-                <a16:creationId xmlns:a16="http://schemas.microsoft.com/office/drawing/2014/main" id="{7CA4AA7D-C35A-4160-8DFF-96A0DAC186D3}"/>
-              </a:ext>
-            </a:extLst>
-          </p:cNvPr>
-          <p:cNvPicPr>
-            <a:picLocks noChangeAspect="1"/>
-          </p:cNvPicPr>
-          <p:nvPr/>
-        </p:nvPicPr>
-        <p:blipFill rotWithShape="1">
-          <a:blip r:embed="rId2"/>
-          <a:srcRect t="34315"/>
-          <a:stretch/>
-        </p:blipFill>
-        <p:spPr>
-          <a:xfrm>
-            <a:off x="5316338" y="1314007"/>
-            <a:ext cx="3600000" cy="3011543"/>
-          </a:xfrm>
-          <a:prstGeom prst="rect">
-            <a:avLst/>
-          </a:prstGeom>
-        </p:spPr>
-      </p:pic>
-      <p:sp>
-        <p:nvSpPr>
-          <p:cNvPr id="8" name="文本框 7">
-            <a:extLst>
-              <a:ext uri="{FF2B5EF4-FFF2-40B4-BE49-F238E27FC236}">
-                <a16:creationId xmlns:a16="http://schemas.microsoft.com/office/drawing/2014/main" id="{994C3D42-765D-4DE1-B553-E3AD594C6442}"/>
-              </a:ext>
-            </a:extLst>
-          </p:cNvPr>
-          <p:cNvSpPr txBox="1"/>
-          <p:nvPr/>
-        </p:nvSpPr>
-        <p:spPr>
-          <a:xfrm>
-            <a:off x="2891867" y="4394791"/>
-            <a:ext cx="1155405" cy="369332"/>
-          </a:xfrm>
-          <a:prstGeom prst="rect">
-            <a:avLst/>
-          </a:prstGeom>
-          <a:noFill/>
-        </p:spPr>
-        <p:txBody>
-          <a:bodyPr wrap="square" rtlCol="0">
-            <a:spAutoFit/>
-          </a:bodyPr>
-          <a:lstStyle/>
-          <a:p>
-            <a:r>
-              <a:rPr lang="en-US" altLang="zh-CN" dirty="0"/>
+          <a:p>
+            <a:pPr>
+              <a:buFont typeface="Wingdings" panose="05000000000000000000" pitchFamily="2" charset="2"/>
+              <a:buChar char="l"/>
+            </a:pPr>
+            <a:r>
+              <a:rPr lang="en-US" altLang="zh-CN" sz="1900" dirty="0"/>
+              <a:t>Encoder</a:t>
+            </a:r>
+          </a:p>
+          <a:p>
+            <a:pPr>
+              <a:buFont typeface="Wingdings" panose="05000000000000000000" pitchFamily="2" charset="2"/>
+              <a:buChar char="Ø"/>
+            </a:pPr>
+            <a:r>
+              <a:rPr lang="en-US" altLang="zh-CN" sz="1900" dirty="0"/>
+              <a:t>Backbone of DenseNet-169 transferred from ImageNet classification</a:t>
+            </a:r>
+          </a:p>
+          <a:p>
+            <a:pPr marL="0" indent="0">
+              <a:buNone/>
+            </a:pPr>
+            <a:endParaRPr lang="en-US" altLang="zh-CN" sz="1900" dirty="0"/>
+          </a:p>
+          <a:p>
+            <a:pPr>
+              <a:buFont typeface="Wingdings" panose="05000000000000000000" pitchFamily="2" charset="2"/>
+              <a:buChar char="l"/>
+            </a:pPr>
+            <a:r>
+              <a:rPr lang="en-US" altLang="zh-CN" sz="1900" dirty="0"/>
               <a:t>Decoder</a:t>
             </a:r>
-            <a:endParaRPr lang="zh-CN" altLang="en-US" dirty="0"/>
-          </a:p>
-        </p:txBody>
-      </p:sp>
-      <p:sp>
-        <p:nvSpPr>
-          <p:cNvPr id="9" name="文本框 8">
-            <a:extLst>
-              <a:ext uri="{FF2B5EF4-FFF2-40B4-BE49-F238E27FC236}">
-                <a16:creationId xmlns:a16="http://schemas.microsoft.com/office/drawing/2014/main" id="{CEF5A5E4-A53E-4860-BACC-CA7629026A18}"/>
-              </a:ext>
-            </a:extLst>
-          </p:cNvPr>
-          <p:cNvSpPr txBox="1"/>
-          <p:nvPr/>
-        </p:nvSpPr>
-        <p:spPr>
-          <a:xfrm>
-            <a:off x="6670158" y="4394791"/>
-            <a:ext cx="1970567" cy="369332"/>
-          </a:xfrm>
-          <a:prstGeom prst="rect">
-            <a:avLst/>
-          </a:prstGeom>
-          <a:noFill/>
-        </p:spPr>
-        <p:txBody>
-          <a:bodyPr wrap="square" rtlCol="0">
-            <a:spAutoFit/>
-          </a:bodyPr>
-          <a:lstStyle/>
-          <a:p>
-            <a:r>
-              <a:rPr lang="en-US" altLang="zh-CN" dirty="0"/>
-              <a:t>Encoder</a:t>
-            </a:r>
-            <a:endParaRPr lang="zh-CN" altLang="en-US" dirty="0"/>
+          </a:p>
+          <a:p>
+            <a:pPr>
+              <a:buFont typeface="Wingdings" panose="05000000000000000000" pitchFamily="2" charset="2"/>
+              <a:buChar char="Ø"/>
+            </a:pPr>
+            <a:r>
+              <a:rPr lang="en-US" altLang="zh-CN" sz="1900" dirty="0"/>
+              <a:t>Successive bilinear </a:t>
+            </a:r>
+            <a:r>
+              <a:rPr lang="en-US" altLang="zh-CN" sz="1900" dirty="0" err="1"/>
+              <a:t>upsampling</a:t>
+            </a:r>
+            <a:r>
+              <a:rPr lang="en-US" altLang="zh-CN" sz="1900" dirty="0"/>
+              <a:t> blocks followed by shallow convolutional layers to realize pixel-pixel regression(high complexity proved to backfire)</a:t>
+            </a:r>
+          </a:p>
+          <a:p>
+            <a:pPr>
+              <a:buFont typeface="Wingdings" panose="05000000000000000000" pitchFamily="2" charset="2"/>
+              <a:buChar char="Ø"/>
+            </a:pPr>
+            <a:r>
+              <a:rPr lang="en-US" altLang="zh-CN" sz="1900" dirty="0"/>
+              <a:t>1x1 </a:t>
+            </a:r>
+            <a:r>
+              <a:rPr lang="en-US" altLang="zh-CN" sz="1900" dirty="0" err="1"/>
+              <a:t>Convs</a:t>
+            </a:r>
+            <a:r>
+              <a:rPr lang="en-US" altLang="zh-CN" sz="1900" dirty="0"/>
+              <a:t> to establish inter-channel connections</a:t>
+            </a:r>
+          </a:p>
+          <a:p>
+            <a:pPr>
+              <a:buFont typeface="Wingdings" panose="05000000000000000000" pitchFamily="2" charset="2"/>
+              <a:buChar char="Ø"/>
+            </a:pPr>
+            <a:r>
+              <a:rPr lang="en-US" altLang="zh-CN" sz="1900" dirty="0"/>
+              <a:t>Skip connections to retrieve information and add high-resolution details</a:t>
+            </a:r>
           </a:p>
         </p:txBody>
       </p:sp>
     </p:spTree>
     <p:extLst>
       <p:ext uri="{BB962C8B-B14F-4D97-AF65-F5344CB8AC3E}">
-        <p14:creationId xmlns:p14="http://schemas.microsoft.com/office/powerpoint/2010/main" val="4235182662"/>
+        <p14:creationId xmlns:p14="http://schemas.microsoft.com/office/powerpoint/2010/main" val="126568205"/>
       </p:ext>
     </p:extLst>
   </p:cSld>
@@ -3438,7 +3701,7 @@
         <p:spPr>
           <a:xfrm>
             <a:off x="1763106" y="676720"/>
-            <a:ext cx="7106464" cy="3790059"/>
+            <a:ext cx="7232038" cy="4015782"/>
           </a:xfrm>
         </p:spPr>
         <p:txBody>
@@ -3452,83 +3715,206 @@
             </a:pPr>
             <a:r>
               <a:rPr lang="en-US" altLang="zh-CN" b="1" dirty="0"/>
-              <a:t>Loss Function Design</a:t>
-            </a:r>
-          </a:p>
-          <a:p>
-            <a:endParaRPr lang="en-US" altLang="zh-CN" dirty="0"/>
-          </a:p>
-          <a:p>
-            <a:pPr>
-              <a:buFont typeface="Wingdings" panose="05000000000000000000" pitchFamily="2" charset="2"/>
-              <a:buChar char="l"/>
+              <a:t>Encoder &amp; Decoder</a:t>
+            </a:r>
+            <a:r>
+              <a:rPr lang="zh-CN" altLang="en-US" b="1" dirty="0"/>
+              <a:t> </a:t>
+            </a:r>
+            <a:r>
+              <a:rPr lang="en-US" altLang="zh-CN" b="1" dirty="0"/>
+              <a:t>Design:</a:t>
+            </a:r>
+          </a:p>
+          <a:p>
+            <a:pPr marL="0" indent="0">
+              <a:buNone/>
             </a:pPr>
-            <a:r>
-              <a:rPr lang="en-US" altLang="zh-CN" sz="1800" u="sng" dirty="0"/>
-              <a:t>L1 Loss(Depth + Gradient) + SSIM </a:t>
-            </a:r>
-            <a:r>
-              <a:rPr lang="en-US" altLang="zh-CN" sz="1800" u="sng" dirty="0">
-                <a:sym typeface="Wingdings" panose="05000000000000000000" pitchFamily="2" charset="2"/>
-              </a:rPr>
-              <a:t> High Granularity</a:t>
-            </a:r>
-            <a:endParaRPr lang="en-US" altLang="zh-CN" sz="1800" u="sng" dirty="0"/>
-          </a:p>
-          <a:p>
-            <a:endParaRPr lang="en-US" altLang="zh-CN" sz="1800" dirty="0">
-              <a:highlight>
-                <a:srgbClr val="FFFF00"/>
-              </a:highlight>
-            </a:endParaRPr>
-          </a:p>
-          <a:p>
-            <a:pPr>
-              <a:buFont typeface="Wingdings" panose="05000000000000000000" pitchFamily="2" charset="2"/>
-              <a:buChar char="l"/>
-            </a:pPr>
-            <a:r>
-              <a:rPr lang="en-US" altLang="zh-CN" sz="1800" dirty="0"/>
-              <a:t>L2 Loss(Depth + Gradient) + SSIM </a:t>
-            </a:r>
-            <a:r>
-              <a:rPr lang="en-US" altLang="zh-CN" sz="1800" dirty="0">
-                <a:sym typeface="Wingdings" panose="05000000000000000000" pitchFamily="2" charset="2"/>
-              </a:rPr>
-              <a:t> Fast Convergence</a:t>
-            </a:r>
-            <a:endParaRPr lang="en-US" altLang="zh-CN" sz="1800" dirty="0"/>
-          </a:p>
-          <a:p>
-            <a:endParaRPr lang="en-US" altLang="zh-CN" sz="1800" dirty="0"/>
-          </a:p>
-          <a:p>
-            <a:pPr>
-              <a:buFont typeface="Wingdings" panose="05000000000000000000" pitchFamily="2" charset="2"/>
-              <a:buChar char="l"/>
-            </a:pPr>
-            <a:r>
-              <a:rPr lang="en-US" altLang="zh-CN" sz="1800" dirty="0" err="1"/>
-              <a:t>Berhu</a:t>
-            </a:r>
-            <a:r>
-              <a:rPr lang="en-US" altLang="zh-CN" sz="1800" dirty="0"/>
-              <a:t> Loss(Depth + Gradient) + SSIM </a:t>
-            </a:r>
-            <a:r>
-              <a:rPr lang="en-US" altLang="zh-CN" sz="1800" dirty="0">
-                <a:sym typeface="Wingdings" panose="05000000000000000000" pitchFamily="2" charset="2"/>
-              </a:rPr>
-              <a:t> Make a Compromise</a:t>
-            </a:r>
-            <a:endParaRPr lang="en-US" altLang="zh-CN" sz="1800" dirty="0"/>
+            <a:endParaRPr lang="en-US" altLang="zh-CN" sz="2000" dirty="0"/>
           </a:p>
         </p:txBody>
       </p:sp>
+      <p:pic>
+        <p:nvPicPr>
+          <p:cNvPr id="5" name="图片 4">
+            <a:extLst>
+              <a:ext uri="{FF2B5EF4-FFF2-40B4-BE49-F238E27FC236}">
+                <a16:creationId xmlns:a16="http://schemas.microsoft.com/office/drawing/2014/main" id="{05496353-552A-4188-A38C-5E0179B45DC4}"/>
+              </a:ext>
+            </a:extLst>
+          </p:cNvPr>
+          <p:cNvPicPr>
+            <a:picLocks noChangeAspect="1"/>
+          </p:cNvPicPr>
+          <p:nvPr/>
+        </p:nvPicPr>
+        <p:blipFill rotWithShape="1">
+          <a:blip r:embed="rId2"/>
+          <a:srcRect t="649" b="64910"/>
+          <a:stretch/>
+        </p:blipFill>
+        <p:spPr>
+          <a:xfrm>
+            <a:off x="1669570" y="2746505"/>
+            <a:ext cx="3600000" cy="1579045"/>
+          </a:xfrm>
+          <a:prstGeom prst="rect">
+            <a:avLst/>
+          </a:prstGeom>
+        </p:spPr>
+      </p:pic>
+      <p:pic>
+        <p:nvPicPr>
+          <p:cNvPr id="7" name="图片 6">
+            <a:extLst>
+              <a:ext uri="{FF2B5EF4-FFF2-40B4-BE49-F238E27FC236}">
+                <a16:creationId xmlns:a16="http://schemas.microsoft.com/office/drawing/2014/main" id="{7CA4AA7D-C35A-4160-8DFF-96A0DAC186D3}"/>
+              </a:ext>
+            </a:extLst>
+          </p:cNvPr>
+          <p:cNvPicPr>
+            <a:picLocks noChangeAspect="1"/>
+          </p:cNvPicPr>
+          <p:nvPr/>
+        </p:nvPicPr>
+        <p:blipFill rotWithShape="1">
+          <a:blip r:embed="rId2"/>
+          <a:srcRect t="34315" b="1023"/>
+          <a:stretch/>
+        </p:blipFill>
+        <p:spPr>
+          <a:xfrm>
+            <a:off x="5316338" y="1360927"/>
+            <a:ext cx="3600000" cy="2964623"/>
+          </a:xfrm>
+          <a:prstGeom prst="rect">
+            <a:avLst/>
+          </a:prstGeom>
+        </p:spPr>
+      </p:pic>
+      <p:sp>
+        <p:nvSpPr>
+          <p:cNvPr id="8" name="文本框 7">
+            <a:extLst>
+              <a:ext uri="{FF2B5EF4-FFF2-40B4-BE49-F238E27FC236}">
+                <a16:creationId xmlns:a16="http://schemas.microsoft.com/office/drawing/2014/main" id="{994C3D42-765D-4DE1-B553-E3AD594C6442}"/>
+              </a:ext>
+            </a:extLst>
+          </p:cNvPr>
+          <p:cNvSpPr txBox="1"/>
+          <p:nvPr/>
+        </p:nvSpPr>
+        <p:spPr>
+          <a:xfrm>
+            <a:off x="2891867" y="4394791"/>
+            <a:ext cx="1155405" cy="369332"/>
+          </a:xfrm>
+          <a:prstGeom prst="rect">
+            <a:avLst/>
+          </a:prstGeom>
+          <a:noFill/>
+        </p:spPr>
+        <p:txBody>
+          <a:bodyPr wrap="square" rtlCol="0">
+            <a:spAutoFit/>
+          </a:bodyPr>
+          <a:lstStyle/>
+          <a:p>
+            <a:r>
+              <a:rPr lang="en-US" altLang="zh-CN" dirty="0"/>
+              <a:t>Encoder</a:t>
+            </a:r>
+            <a:endParaRPr lang="zh-CN" altLang="en-US" dirty="0"/>
+          </a:p>
+        </p:txBody>
+      </p:sp>
+      <p:sp>
+        <p:nvSpPr>
+          <p:cNvPr id="9" name="文本框 8">
+            <a:extLst>
+              <a:ext uri="{FF2B5EF4-FFF2-40B4-BE49-F238E27FC236}">
+                <a16:creationId xmlns:a16="http://schemas.microsoft.com/office/drawing/2014/main" id="{CEF5A5E4-A53E-4860-BACC-CA7629026A18}"/>
+              </a:ext>
+            </a:extLst>
+          </p:cNvPr>
+          <p:cNvSpPr txBox="1"/>
+          <p:nvPr/>
+        </p:nvSpPr>
+        <p:spPr>
+          <a:xfrm>
+            <a:off x="6670158" y="4394791"/>
+            <a:ext cx="1970567" cy="369332"/>
+          </a:xfrm>
+          <a:prstGeom prst="rect">
+            <a:avLst/>
+          </a:prstGeom>
+          <a:noFill/>
+        </p:spPr>
+        <p:txBody>
+          <a:bodyPr wrap="square" rtlCol="0">
+            <a:spAutoFit/>
+          </a:bodyPr>
+          <a:lstStyle/>
+          <a:p>
+            <a:r>
+              <a:rPr lang="en-US" altLang="zh-CN" dirty="0"/>
+              <a:t>Decoder</a:t>
+            </a:r>
+            <a:endParaRPr lang="zh-CN" altLang="en-US" dirty="0"/>
+          </a:p>
+        </p:txBody>
+      </p:sp>
+      <p:pic>
+        <p:nvPicPr>
+          <p:cNvPr id="10" name="Picture 2" descr="图片">
+            <a:extLst>
+              <a:ext uri="{FF2B5EF4-FFF2-40B4-BE49-F238E27FC236}">
+                <a16:creationId xmlns:a16="http://schemas.microsoft.com/office/drawing/2014/main" id="{B57EB25B-14C2-421F-9B44-D6090F3EE4B0}"/>
+              </a:ext>
+            </a:extLst>
+          </p:cNvPr>
+          <p:cNvPicPr>
+            <a:picLocks noChangeAspect="1" noChangeArrowheads="1"/>
+          </p:cNvPicPr>
+          <p:nvPr/>
+        </p:nvPicPr>
+        <p:blipFill>
+          <a:blip r:embed="rId3">
+            <a:extLst>
+              <a:ext uri="{28A0092B-C50C-407E-A947-70E740481C1C}">
+                <a14:useLocalDpi xmlns:a14="http://schemas.microsoft.com/office/drawing/2010/main" val="0"/>
+              </a:ext>
+            </a:extLst>
+          </a:blip>
+          <a:srcRect/>
+          <a:stretch>
+            <a:fillRect/>
+          </a:stretch>
+        </p:blipFill>
+        <p:spPr bwMode="auto">
+          <a:xfrm>
+            <a:off x="1699425" y="1327737"/>
+            <a:ext cx="3491698" cy="1418768"/>
+          </a:xfrm>
+          <a:prstGeom prst="rect">
+            <a:avLst/>
+          </a:prstGeom>
+          <a:noFill/>
+          <a:extLst>
+            <a:ext uri="{909E8E84-426E-40DD-AFC4-6F175D3DCCD1}">
+              <a14:hiddenFill xmlns:a14="http://schemas.microsoft.com/office/drawing/2010/main">
+                <a:solidFill>
+                  <a:srgbClr val="FFFFFF"/>
+                </a:solidFill>
+              </a14:hiddenFill>
+            </a:ext>
+          </a:extLst>
+        </p:spPr>
+      </p:pic>
     </p:spTree>
     <p:extLst>
       <p:ext uri="{BB962C8B-B14F-4D97-AF65-F5344CB8AC3E}">
-        <p14:creationId xmlns:p14="http://schemas.microsoft.com/office/powerpoint/2010/main" val="3772436374"/>
+        <p14:creationId xmlns:p14="http://schemas.microsoft.com/office/powerpoint/2010/main" val="4235182662"/>
       </p:ext>
     </p:extLst>
   </p:cSld>
@@ -3632,7 +4018,7 @@
             </a:pPr>
             <a:r>
               <a:rPr lang="en-US" altLang="zh-CN" b="1" dirty="0"/>
-              <a:t>Data Augmentation</a:t>
+              <a:t>Loss Function Design</a:t>
             </a:r>
           </a:p>
           <a:p>
@@ -3644,66 +4030,71 @@
               <a:buChar char="l"/>
             </a:pPr>
             <a:r>
-              <a:rPr lang="en-US" altLang="zh-CN" sz="1800" dirty="0"/>
-              <a:t>To achieve higher generalizations, series of operations simulating natural deformations are implemented on the dataset</a:t>
-            </a:r>
+              <a:rPr lang="en-US" altLang="zh-CN" sz="1800" u="sng" dirty="0"/>
+              <a:t>L1 Loss(Depth + Gradient) + SSIM </a:t>
+            </a:r>
+            <a:r>
+              <a:rPr lang="en-US" altLang="zh-CN" sz="1800" u="sng" dirty="0">
+                <a:sym typeface="Wingdings" panose="05000000000000000000" pitchFamily="2" charset="2"/>
+              </a:rPr>
+              <a:t> High Granularity</a:t>
+            </a:r>
+            <a:endParaRPr lang="en-US" altLang="zh-CN" sz="1800" u="sng" dirty="0"/>
+          </a:p>
+          <a:p>
+            <a:endParaRPr lang="en-US" altLang="zh-CN" sz="1800" dirty="0">
+              <a:highlight>
+                <a:srgbClr val="FFFF00"/>
+              </a:highlight>
+            </a:endParaRPr>
           </a:p>
           <a:p>
             <a:pPr>
               <a:buFont typeface="Wingdings" panose="05000000000000000000" pitchFamily="2" charset="2"/>
-              <a:buChar char="Ø"/>
+              <a:buChar char="l"/>
             </a:pPr>
             <a:r>
               <a:rPr lang="en-US" altLang="zh-CN" sz="1800" dirty="0"/>
-              <a:t>Random crops</a:t>
-            </a:r>
+              <a:t>L2 Loss(Depth + Gradient) + SSIM </a:t>
+            </a:r>
+            <a:r>
+              <a:rPr lang="en-US" altLang="zh-CN" sz="1800" dirty="0">
+                <a:sym typeface="Wingdings" panose="05000000000000000000" pitchFamily="2" charset="2"/>
+              </a:rPr>
+              <a:t> Fast Convergence</a:t>
+            </a:r>
+            <a:endParaRPr lang="en-US" altLang="zh-CN" sz="1800" dirty="0"/>
+          </a:p>
+          <a:p>
+            <a:endParaRPr lang="en-US" altLang="zh-CN" sz="1800" dirty="0"/>
           </a:p>
           <a:p>
             <a:pPr>
               <a:buFont typeface="Wingdings" panose="05000000000000000000" pitchFamily="2" charset="2"/>
-              <a:buChar char="Ø"/>
+              <a:buChar char="l"/>
             </a:pPr>
             <a:r>
+              <a:rPr lang="en-US" altLang="zh-CN" sz="1800" dirty="0" err="1"/>
+              <a:t>Berhu</a:t>
+            </a:r>
+            <a:r>
               <a:rPr lang="en-US" altLang="zh-CN" sz="1800" dirty="0"/>
-              <a:t>Horizontal flips</a:t>
-            </a:r>
-          </a:p>
-          <a:p>
-            <a:pPr>
-              <a:buFont typeface="Wingdings" panose="05000000000000000000" pitchFamily="2" charset="2"/>
-              <a:buChar char="Ø"/>
-            </a:pPr>
-            <a:r>
-              <a:rPr lang="en-US" altLang="zh-CN" sz="1800" dirty="0"/>
-              <a:t>Vertical flips</a:t>
-            </a:r>
-          </a:p>
-          <a:p>
-            <a:pPr>
-              <a:buFont typeface="Wingdings" panose="05000000000000000000" pitchFamily="2" charset="2"/>
-              <a:buChar char="Ø"/>
-            </a:pPr>
-            <a:r>
-              <a:rPr lang="en-US" altLang="zh-CN" sz="1800" dirty="0"/>
-              <a:t>Rotations</a:t>
-            </a:r>
-          </a:p>
-          <a:p>
-            <a:pPr>
-              <a:buFont typeface="Wingdings" panose="05000000000000000000" pitchFamily="2" charset="2"/>
-              <a:buChar char="Ø"/>
-            </a:pPr>
-            <a:r>
-              <a:rPr lang="en-US" altLang="zh-CN" sz="1800" dirty="0"/>
-              <a:t>Affine transformations</a:t>
-            </a:r>
+              <a:t> Loss(Depth + Gradient) + SSIM </a:t>
+            </a:r>
+            <a:r>
+              <a:rPr lang="en-US" altLang="zh-CN" sz="1800" dirty="0">
+                <a:sym typeface="Wingdings" panose="05000000000000000000" pitchFamily="2" charset="2"/>
+              </a:rPr>
+              <a:t> Make a Compromise</a:t>
+            </a:r>
+            <a:endParaRPr lang="en-US" altLang="zh-CN" sz="1800" dirty="0"/>
           </a:p>
         </p:txBody>
       </p:sp>
     </p:spTree>
     <p:extLst>
       <p:ext uri="{BB962C8B-B14F-4D97-AF65-F5344CB8AC3E}">
-        <p14:creationId xmlns:p14="http://schemas.microsoft.com/office/powerpoint/2010/main" val="174580327"/>
+        <p14:creationId xmlns:p14="http://schemas.microsoft.com/office/powerpoint/2010/main" val="3772436374"/>
       </p:ext>
     </p:extLst>
   </p:cSld>
@@ -3792,13 +4183,13 @@
         </p:nvSpPr>
         <p:spPr>
           <a:xfrm>
-            <a:off x="1763106" y="676719"/>
-            <a:ext cx="7106464" cy="4260802"/>
+            <a:off x="1763106" y="676720"/>
+            <a:ext cx="7106464" cy="3790059"/>
           </a:xfrm>
         </p:spPr>
         <p:txBody>
           <a:bodyPr>
-            <a:normAutofit lnSpcReduction="10000"/>
+            <a:normAutofit/>
           </a:bodyPr>
           <a:lstStyle/>
           <a:p>
@@ -3807,15 +4198,11 @@
             </a:pPr>
             <a:r>
               <a:rPr lang="en-US" altLang="zh-CN" b="1" dirty="0"/>
-              <a:t>Results</a:t>
-            </a:r>
-          </a:p>
-          <a:p>
-            <a:pPr>
-              <a:buFont typeface="Arial" panose="020B0604020202020204" pitchFamily="34" charset="0"/>
-              <a:buChar char="•"/>
-            </a:pPr>
-            <a:endParaRPr lang="en-US" altLang="zh-CN" sz="1800" dirty="0"/>
+              <a:t>Data Augmentation</a:t>
+            </a:r>
+          </a:p>
+          <a:p>
+            <a:endParaRPr lang="en-US" altLang="zh-CN" dirty="0"/>
           </a:p>
           <a:p>
             <a:pPr>
@@ -3824,89 +4211,65 @@
             </a:pPr>
             <a:r>
               <a:rPr lang="en-US" altLang="zh-CN" sz="1800" dirty="0"/>
-              <a:t>RGB Inputs &amp; Depth Predictions(fine-tunned on KITTI)</a:t>
-            </a:r>
-          </a:p>
-          <a:p>
-            <a:pPr>
-              <a:buFont typeface="Arial" panose="020B0604020202020204" pitchFamily="34" charset="0"/>
-              <a:buChar char="•"/>
-            </a:pPr>
-            <a:endParaRPr lang="en-US" altLang="zh-CN" dirty="0"/>
-          </a:p>
-          <a:p>
-            <a:pPr>
-              <a:buFont typeface="Arial" panose="020B0604020202020204" pitchFamily="34" charset="0"/>
-              <a:buChar char="•"/>
-            </a:pPr>
-            <a:endParaRPr lang="en-US" altLang="zh-CN" dirty="0"/>
-          </a:p>
-          <a:p>
-            <a:pPr>
-              <a:buFont typeface="Arial" panose="020B0604020202020204" pitchFamily="34" charset="0"/>
-              <a:buChar char="•"/>
-            </a:pPr>
-            <a:endParaRPr lang="en-US" altLang="zh-CN" dirty="0"/>
-          </a:p>
-          <a:p>
-            <a:pPr>
-              <a:buFont typeface="Arial" panose="020B0604020202020204" pitchFamily="34" charset="0"/>
-              <a:buChar char="•"/>
-            </a:pPr>
-            <a:endParaRPr lang="en-US" altLang="zh-CN" dirty="0"/>
-          </a:p>
-          <a:p>
-            <a:pPr>
-              <a:buFont typeface="Arial" panose="020B0604020202020204" pitchFamily="34" charset="0"/>
-              <a:buChar char="•"/>
-            </a:pPr>
-            <a:endParaRPr lang="en-US" altLang="zh-CN" dirty="0"/>
+              <a:t>To achieve higher generalizations, series of operations simulating natural deformations are implemented on the dataset</a:t>
+            </a:r>
           </a:p>
           <a:p>
             <a:pPr>
               <a:buFont typeface="Wingdings" panose="05000000000000000000" pitchFamily="2" charset="2"/>
-              <a:buChar char="l"/>
+              <a:buChar char="Ø"/>
             </a:pPr>
             <a:r>
               <a:rPr lang="en-US" altLang="zh-CN" sz="1800" dirty="0"/>
-              <a:t>Evaluation metrics are regretfully not available due to the key files missing in the benchmark</a:t>
+              <a:t>Random crops</a:t>
+            </a:r>
+          </a:p>
+          <a:p>
+            <a:pPr>
+              <a:buFont typeface="Wingdings" panose="05000000000000000000" pitchFamily="2" charset="2"/>
+              <a:buChar char="Ø"/>
+            </a:pPr>
+            <a:r>
+              <a:rPr lang="en-US" altLang="zh-CN" sz="1800" dirty="0"/>
+              <a:t>Horizontal flips</a:t>
+            </a:r>
+          </a:p>
+          <a:p>
+            <a:pPr>
+              <a:buFont typeface="Wingdings" panose="05000000000000000000" pitchFamily="2" charset="2"/>
+              <a:buChar char="Ø"/>
+            </a:pPr>
+            <a:r>
+              <a:rPr lang="en-US" altLang="zh-CN" sz="1800" dirty="0"/>
+              <a:t>Vertical flips</a:t>
+            </a:r>
+          </a:p>
+          <a:p>
+            <a:pPr>
+              <a:buFont typeface="Wingdings" panose="05000000000000000000" pitchFamily="2" charset="2"/>
+              <a:buChar char="Ø"/>
+            </a:pPr>
+            <a:r>
+              <a:rPr lang="en-US" altLang="zh-CN" sz="1800" dirty="0"/>
+              <a:t>Rotations</a:t>
+            </a:r>
+          </a:p>
+          <a:p>
+            <a:pPr>
+              <a:buFont typeface="Wingdings" panose="05000000000000000000" pitchFamily="2" charset="2"/>
+              <a:buChar char="Ø"/>
+            </a:pPr>
+            <a:r>
+              <a:rPr lang="en-US" altLang="zh-CN" sz="1800" dirty="0"/>
+              <a:t>Affine transformations</a:t>
             </a:r>
           </a:p>
         </p:txBody>
       </p:sp>
-      <p:pic>
-        <p:nvPicPr>
-          <p:cNvPr id="4" name="图片 3">
-            <a:extLst>
-              <a:ext uri="{FF2B5EF4-FFF2-40B4-BE49-F238E27FC236}">
-                <a16:creationId xmlns:a16="http://schemas.microsoft.com/office/drawing/2014/main" id="{BB7F3A8D-61DA-49D1-82F3-4CFC371EF4ED}"/>
-              </a:ext>
-            </a:extLst>
-          </p:cNvPr>
-          <p:cNvPicPr>
-            <a:picLocks noChangeAspect="1"/>
-          </p:cNvPicPr>
-          <p:nvPr/>
-        </p:nvPicPr>
-        <p:blipFill rotWithShape="1">
-          <a:blip r:embed="rId2"/>
-          <a:srcRect l="17096" t="11531" r="14454" b="29441"/>
-          <a:stretch/>
-        </p:blipFill>
-        <p:spPr>
-          <a:xfrm>
-            <a:off x="1622540" y="1733232"/>
-            <a:ext cx="7471841" cy="2147776"/>
-          </a:xfrm>
-          <a:prstGeom prst="rect">
-            <a:avLst/>
-          </a:prstGeom>
-        </p:spPr>
-      </p:pic>
     </p:spTree>
     <p:extLst>
       <p:ext uri="{BB962C8B-B14F-4D97-AF65-F5344CB8AC3E}">
-        <p14:creationId xmlns:p14="http://schemas.microsoft.com/office/powerpoint/2010/main" val="3478988304"/>
+        <p14:creationId xmlns:p14="http://schemas.microsoft.com/office/powerpoint/2010/main" val="174580327"/>
       </p:ext>
     </p:extLst>
   </p:cSld>
@@ -3995,13 +4358,13 @@
         </p:nvSpPr>
         <p:spPr>
           <a:xfrm>
-            <a:off x="1763106" y="937885"/>
-            <a:ext cx="7106464" cy="3486122"/>
+            <a:off x="1763106" y="676719"/>
+            <a:ext cx="7106464" cy="4260802"/>
           </a:xfrm>
         </p:spPr>
         <p:txBody>
           <a:bodyPr>
-            <a:normAutofit/>
+            <a:normAutofit lnSpcReduction="10000"/>
           </a:bodyPr>
           <a:lstStyle/>
           <a:p>
@@ -4010,11 +4373,14 @@
             </a:pPr>
             <a:r>
               <a:rPr lang="en-US" altLang="zh-CN" b="1" dirty="0"/>
-              <a:t>Future Work</a:t>
-            </a:r>
-            <a:endParaRPr lang="en-US" altLang="zh-CN" u="sng" dirty="0"/>
-          </a:p>
-          <a:p>
+              <a:t>Results</a:t>
+            </a:r>
+          </a:p>
+          <a:p>
+            <a:pPr>
+              <a:buFont typeface="Arial" panose="020B0604020202020204" pitchFamily="34" charset="0"/>
+              <a:buChar char="•"/>
+            </a:pPr>
             <a:endParaRPr lang="en-US" altLang="zh-CN" sz="1800" dirty="0"/>
           </a:p>
           <a:p>
@@ -4024,23 +4390,89 @@
             </a:pPr>
             <a:r>
               <a:rPr lang="en-US" altLang="zh-CN" sz="1800" dirty="0"/>
-              <a:t>An interesting discovery: specific scenarios such as outdoors and over exposures are not considerately collected in NYU Depth v2 dataset,</a:t>
-            </a:r>
-            <a:r>
-              <a:rPr lang="zh-CN" altLang="en-US" sz="1800" dirty="0"/>
-              <a:t>  </a:t>
-            </a:r>
+              <a:t>RGB Inputs &amp; Depth Predictions(fine-tunned on KITTI)</a:t>
+            </a:r>
+          </a:p>
+          <a:p>
+            <a:pPr>
+              <a:buFont typeface="Arial" panose="020B0604020202020204" pitchFamily="34" charset="0"/>
+              <a:buChar char="•"/>
+            </a:pPr>
+            <a:endParaRPr lang="en-US" altLang="zh-CN" dirty="0"/>
+          </a:p>
+          <a:p>
+            <a:pPr>
+              <a:buFont typeface="Arial" panose="020B0604020202020204" pitchFamily="34" charset="0"/>
+              <a:buChar char="•"/>
+            </a:pPr>
+            <a:endParaRPr lang="en-US" altLang="zh-CN" dirty="0"/>
+          </a:p>
+          <a:p>
+            <a:pPr>
+              <a:buFont typeface="Arial" panose="020B0604020202020204" pitchFamily="34" charset="0"/>
+              <a:buChar char="•"/>
+            </a:pPr>
+            <a:endParaRPr lang="en-US" altLang="zh-CN" dirty="0"/>
+          </a:p>
+          <a:p>
+            <a:pPr>
+              <a:buFont typeface="Arial" panose="020B0604020202020204" pitchFamily="34" charset="0"/>
+              <a:buChar char="•"/>
+            </a:pPr>
+            <a:endParaRPr lang="en-US" altLang="zh-CN" dirty="0"/>
+          </a:p>
+          <a:p>
+            <a:pPr>
+              <a:buFont typeface="Arial" panose="020B0604020202020204" pitchFamily="34" charset="0"/>
+              <a:buChar char="•"/>
+            </a:pPr>
+            <a:endParaRPr lang="en-US" altLang="zh-CN" dirty="0"/>
+          </a:p>
+          <a:p>
+            <a:pPr>
+              <a:buFont typeface="Wingdings" panose="05000000000000000000" pitchFamily="2" charset="2"/>
+              <a:buChar char="l"/>
+            </a:pPr>
             <a:r>
               <a:rPr lang="en-US" altLang="zh-CN" sz="1800" dirty="0"/>
-              <a:t>which could jeopardize the robustness and generalization of the model under some extreme circumstances, especially when the depth values are large and light intensities are high.</a:t>
+              <a:t>Evaluation metrics are regretfully not available due to the key files missing in the benchmark</a:t>
             </a:r>
           </a:p>
         </p:txBody>
       </p:sp>
+      <p:pic>
+        <p:nvPicPr>
+          <p:cNvPr id="4" name="图片 3">
+            <a:extLst>
+              <a:ext uri="{FF2B5EF4-FFF2-40B4-BE49-F238E27FC236}">
+                <a16:creationId xmlns:a16="http://schemas.microsoft.com/office/drawing/2014/main" id="{BB7F3A8D-61DA-49D1-82F3-4CFC371EF4ED}"/>
+              </a:ext>
+            </a:extLst>
+          </p:cNvPr>
+          <p:cNvPicPr>
+            <a:picLocks noChangeAspect="1"/>
+          </p:cNvPicPr>
+          <p:nvPr/>
+        </p:nvPicPr>
+        <p:blipFill rotWithShape="1">
+          <a:blip r:embed="rId2"/>
+          <a:srcRect l="17096" t="11531" r="14454" b="29441"/>
+          <a:stretch/>
+        </p:blipFill>
+        <p:spPr>
+          <a:xfrm>
+            <a:off x="1622540" y="1733232"/>
+            <a:ext cx="7471841" cy="2147776"/>
+          </a:xfrm>
+          <a:prstGeom prst="rect">
+            <a:avLst/>
+          </a:prstGeom>
+        </p:spPr>
+      </p:pic>
     </p:spTree>
     <p:extLst>
       <p:ext uri="{BB962C8B-B14F-4D97-AF65-F5344CB8AC3E}">
-        <p14:creationId xmlns:p14="http://schemas.microsoft.com/office/powerpoint/2010/main" val="2075983144"/>
+        <p14:creationId xmlns:p14="http://schemas.microsoft.com/office/powerpoint/2010/main" val="3478988304"/>
       </p:ext>
     </p:extLst>
   </p:cSld>
@@ -4130,7 +4562,7 @@
         <p:spPr>
           <a:xfrm>
             <a:off x="1763106" y="937885"/>
-            <a:ext cx="7106464" cy="3875120"/>
+            <a:ext cx="7106464" cy="3486122"/>
           </a:xfrm>
         </p:spPr>
         <p:txBody>
@@ -4146,6 +4578,7 @@
               <a:rPr lang="en-US" altLang="zh-CN" b="1" dirty="0"/>
               <a:t>Future Work</a:t>
             </a:r>
+            <a:endParaRPr lang="en-US" altLang="zh-CN" u="sng" dirty="0"/>
           </a:p>
           <a:p>
             <a:endParaRPr lang="en-US" altLang="zh-CN" sz="1800" dirty="0"/>
@@ -4157,50 +4590,59 @@
             </a:pPr>
             <a:r>
               <a:rPr lang="en-US" altLang="zh-CN" sz="1800" dirty="0"/>
-              <a:t>The structure of ideal model based on supervised learning could be used as Depth Net component in unsupervised scale-consistent depth learning from video, which tends to serve as an important part in visual SLAM to provide </a:t>
-            </a:r>
-            <a:r>
-              <a:rPr lang="en-US" altLang="zh-CN" sz="1800"/>
-              <a:t>depth information.</a:t>
-            </a:r>
-            <a:endParaRPr lang="en-US" altLang="zh-CN" sz="1800" dirty="0"/>
+              <a:t>An interesting discovery: specific scenarios such as </a:t>
+            </a:r>
+            <a:r>
+              <a:rPr lang="en-US" altLang="zh-CN" sz="1800" b="1" dirty="0"/>
+              <a:t>outdoors </a:t>
+            </a:r>
+            <a:r>
+              <a:rPr lang="en-US" altLang="zh-CN" sz="1800" dirty="0"/>
+              <a:t>and </a:t>
+            </a:r>
+            <a:r>
+              <a:rPr lang="en-US" altLang="zh-CN" sz="1800" b="1" dirty="0"/>
+              <a:t>over exposures </a:t>
+            </a:r>
+            <a:r>
+              <a:rPr lang="en-US" altLang="zh-CN" sz="1800" dirty="0"/>
+              <a:t>are not considerately collected in NYU Depth v2 dataset,</a:t>
+            </a:r>
+            <a:r>
+              <a:rPr lang="zh-CN" altLang="en-US" sz="1800" dirty="0"/>
+              <a:t>  </a:t>
+            </a:r>
+            <a:r>
+              <a:rPr lang="en-US" altLang="zh-CN" sz="1800" dirty="0"/>
+              <a:t>which could jeopardize the </a:t>
+            </a:r>
+            <a:r>
+              <a:rPr lang="en-US" altLang="zh-CN" sz="1800" b="1" dirty="0"/>
+              <a:t>robustness</a:t>
+            </a:r>
+            <a:r>
+              <a:rPr lang="en-US" altLang="zh-CN" sz="1800" dirty="0"/>
+              <a:t> and </a:t>
+            </a:r>
+            <a:r>
+              <a:rPr lang="en-US" altLang="zh-CN" sz="1800" b="1" dirty="0"/>
+              <a:t>generalization</a:t>
+            </a:r>
+            <a:r>
+              <a:rPr lang="en-US" altLang="zh-CN" sz="1800" dirty="0"/>
+              <a:t> of the model under some extreme circumstances, especially when the </a:t>
+            </a:r>
+            <a:r>
+              <a:rPr lang="en-US" altLang="zh-CN" sz="1800" b="1" dirty="0"/>
+              <a:t>depth values are large and light intensities are high.</a:t>
+            </a:r>
           </a:p>
         </p:txBody>
       </p:sp>
-      <p:pic>
-        <p:nvPicPr>
-          <p:cNvPr id="5" name="图片 4">
-            <a:extLst>
-              <a:ext uri="{FF2B5EF4-FFF2-40B4-BE49-F238E27FC236}">
-                <a16:creationId xmlns:a16="http://schemas.microsoft.com/office/drawing/2014/main" id="{2F862641-DDA1-4A3F-B2B1-39829FA38FD9}"/>
-              </a:ext>
-            </a:extLst>
-          </p:cNvPr>
-          <p:cNvPicPr>
-            <a:picLocks noChangeAspect="1"/>
-          </p:cNvPicPr>
-          <p:nvPr/>
-        </p:nvPicPr>
-        <p:blipFill>
-          <a:blip r:embed="rId2"/>
-          <a:stretch>
-            <a:fillRect/>
-          </a:stretch>
-        </p:blipFill>
-        <p:spPr>
-          <a:xfrm>
-            <a:off x="1871331" y="2875445"/>
-            <a:ext cx="6773739" cy="1821902"/>
-          </a:xfrm>
-          <a:prstGeom prst="rect">
-            <a:avLst/>
-          </a:prstGeom>
-        </p:spPr>
-      </p:pic>
     </p:spTree>
     <p:extLst>
       <p:ext uri="{BB962C8B-B14F-4D97-AF65-F5344CB8AC3E}">
-        <p14:creationId xmlns:p14="http://schemas.microsoft.com/office/powerpoint/2010/main" val="1529647615"/>
+        <p14:creationId xmlns:p14="http://schemas.microsoft.com/office/powerpoint/2010/main" val="2075983144"/>
       </p:ext>
     </p:extLst>
   </p:cSld>
@@ -4232,7 +4674,7 @@
           <p:cNvPr id="2" name="标题 1">
             <a:extLst>
               <a:ext uri="{FF2B5EF4-FFF2-40B4-BE49-F238E27FC236}">
-                <a16:creationId xmlns:a16="http://schemas.microsoft.com/office/drawing/2014/main" id="{1C8F2514-DAF4-42EB-9CD9-9E0A91CFBCE7}"/>
+                <a16:creationId xmlns:a16="http://schemas.microsoft.com/office/drawing/2014/main" id="{6C94C7C4-B899-468F-9FBD-4DE918844026}"/>
               </a:ext>
             </a:extLst>
           </p:cNvPr>
@@ -4245,26 +4687,122 @@
         </p:nvSpPr>
         <p:spPr>
           <a:xfrm>
-            <a:off x="2606622" y="2143125"/>
-            <a:ext cx="5105527" cy="857250"/>
+            <a:off x="1763106" y="205979"/>
+            <a:ext cx="7106464" cy="318561"/>
           </a:xfrm>
         </p:spPr>
         <p:txBody>
-          <a:bodyPr/>
+          <a:bodyPr>
+            <a:noAutofit/>
+          </a:bodyPr>
           <a:lstStyle/>
           <a:p>
             <a:r>
-              <a:rPr lang="en-US" altLang="zh-CN" dirty="0"/>
-              <a:t>Thank you for listening! </a:t>
-            </a:r>
-            <a:endParaRPr lang="zh-CN" altLang="en-US" dirty="0"/>
+              <a:rPr lang="en-US" altLang="zh-CN" sz="2000" dirty="0"/>
+              <a:t>Project 9</a:t>
+            </a:r>
+            <a:r>
+              <a:rPr lang="zh-CN" altLang="en-US" sz="2000" dirty="0"/>
+              <a:t>：</a:t>
+            </a:r>
+            <a:r>
+              <a:rPr lang="en-US" altLang="zh-CN" sz="2000" dirty="0"/>
+              <a:t>Monocular Depth Estimation via Transfer Learning</a:t>
+            </a:r>
+            <a:endParaRPr lang="zh-CN" altLang="en-US" sz="2000" dirty="0"/>
           </a:p>
         </p:txBody>
       </p:sp>
+      <p:sp>
+        <p:nvSpPr>
+          <p:cNvPr id="3" name="内容占位符 2">
+            <a:extLst>
+              <a:ext uri="{FF2B5EF4-FFF2-40B4-BE49-F238E27FC236}">
+                <a16:creationId xmlns:a16="http://schemas.microsoft.com/office/drawing/2014/main" id="{1EFD12C0-06F0-426C-B8B9-10FC85A47353}"/>
+              </a:ext>
+            </a:extLst>
+          </p:cNvPr>
+          <p:cNvSpPr>
+            <a:spLocks noGrp="1"/>
+          </p:cNvSpPr>
+          <p:nvPr>
+            <p:ph idx="1"/>
+          </p:nvPr>
+        </p:nvSpPr>
+        <p:spPr>
+          <a:xfrm>
+            <a:off x="1763106" y="937885"/>
+            <a:ext cx="7106464" cy="3875120"/>
+          </a:xfrm>
+        </p:spPr>
+        <p:txBody>
+          <a:bodyPr>
+            <a:normAutofit/>
+          </a:bodyPr>
+          <a:lstStyle/>
+          <a:p>
+            <a:pPr marL="0" indent="0">
+              <a:buNone/>
+            </a:pPr>
+            <a:r>
+              <a:rPr lang="en-US" altLang="zh-CN" b="1" dirty="0"/>
+              <a:t>Future Work</a:t>
+            </a:r>
+          </a:p>
+          <a:p>
+            <a:endParaRPr lang="en-US" altLang="zh-CN" sz="1800" dirty="0"/>
+          </a:p>
+          <a:p>
+            <a:pPr>
+              <a:buFont typeface="Wingdings" panose="05000000000000000000" pitchFamily="2" charset="2"/>
+              <a:buChar char="l"/>
+            </a:pPr>
+            <a:r>
+              <a:rPr lang="en-US" altLang="zh-CN" sz="1800" dirty="0"/>
+              <a:t>The structure of ideal model based on supervised learning could be used as Depth Net component in unsupervised scale-consistent depth learning from video, which tends to serve as an important part in visual SLAM to provide </a:t>
+            </a:r>
+            <a:r>
+              <a:rPr lang="en-US" altLang="zh-CN" sz="1800"/>
+              <a:t>depth information.</a:t>
+            </a:r>
+            <a:endParaRPr lang="en-US" altLang="zh-CN" sz="1800" dirty="0"/>
+          </a:p>
+        </p:txBody>
+      </p:sp>
+      <p:pic>
+        <p:nvPicPr>
+          <p:cNvPr id="5" name="图片 4">
+            <a:extLst>
+              <a:ext uri="{FF2B5EF4-FFF2-40B4-BE49-F238E27FC236}">
+                <a16:creationId xmlns:a16="http://schemas.microsoft.com/office/drawing/2014/main" id="{2F862641-DDA1-4A3F-B2B1-39829FA38FD9}"/>
+              </a:ext>
+            </a:extLst>
+          </p:cNvPr>
+          <p:cNvPicPr>
+            <a:picLocks noChangeAspect="1"/>
+          </p:cNvPicPr>
+          <p:nvPr/>
+        </p:nvPicPr>
+        <p:blipFill>
+          <a:blip r:embed="rId2"/>
+          <a:stretch>
+            <a:fillRect/>
+          </a:stretch>
+        </p:blipFill>
+        <p:spPr>
+          <a:xfrm>
+            <a:off x="1871331" y="2875445"/>
+            <a:ext cx="6773739" cy="1821902"/>
+          </a:xfrm>
+          <a:prstGeom prst="rect">
+            <a:avLst/>
+          </a:prstGeom>
+        </p:spPr>
+      </p:pic>
     </p:spTree>
     <p:extLst>
       <p:ext uri="{BB962C8B-B14F-4D97-AF65-F5344CB8AC3E}">
-        <p14:creationId xmlns:p14="http://schemas.microsoft.com/office/powerpoint/2010/main" val="1180781335"/>
+        <p14:creationId xmlns:p14="http://schemas.microsoft.com/office/powerpoint/2010/main" val="1529647615"/>
       </p:ext>
     </p:extLst>
   </p:cSld>
